--- a/Kiosk_진행도.pptx
+++ b/Kiosk_진행도.pptx
@@ -4001,7 +4001,7 @@
             <a:pPr algn="ctr"/>
             <a:r>
               <a:rPr lang="ko-KR" altLang="en-US" dirty="0"/>
-              <a:t>주문</a:t>
+              <a:t>결제</a:t>
             </a:r>
           </a:p>
         </p:txBody>
@@ -5146,6 +5146,262 @@
               </a:rPr>
               <a:t>초기화</a:t>
             </a:r>
+          </a:p>
+        </p:txBody>
+      </p:sp>
+      <p:sp>
+        <p:nvSpPr>
+          <p:cNvPr id="76" name="순서도: 연결자 75">
+            <a:extLst>
+              <a:ext uri="{FF2B5EF4-FFF2-40B4-BE49-F238E27FC236}">
+                <a16:creationId xmlns:a16="http://schemas.microsoft.com/office/drawing/2014/main" id="{8FC95ADB-37B5-DA49-2272-3370B67B231F}"/>
+              </a:ext>
+            </a:extLst>
+          </p:cNvPr>
+          <p:cNvSpPr/>
+          <p:nvPr/>
+        </p:nvSpPr>
+        <p:spPr>
+          <a:xfrm>
+            <a:off x="3890445" y="2837883"/>
+            <a:ext cx="616055" cy="636217"/>
+          </a:xfrm>
+          <a:prstGeom prst="flowChartConnector">
+            <a:avLst/>
+          </a:prstGeom>
+          <a:noFill/>
+          <a:ln w="57150">
+            <a:solidFill>
+              <a:schemeClr val="tx1"/>
+            </a:solidFill>
+          </a:ln>
+        </p:spPr>
+        <p:style>
+          <a:lnRef idx="2">
+            <a:schemeClr val="accent1">
+              <a:shade val="15000"/>
+            </a:schemeClr>
+          </a:lnRef>
+          <a:fillRef idx="1">
+            <a:schemeClr val="accent1"/>
+          </a:fillRef>
+          <a:effectRef idx="0">
+            <a:schemeClr val="accent1"/>
+          </a:effectRef>
+          <a:fontRef idx="minor">
+            <a:schemeClr val="lt1"/>
+          </a:fontRef>
+        </p:style>
+        <p:txBody>
+          <a:bodyPr rtlCol="0" anchor="ctr"/>
+          <a:lstStyle/>
+          <a:p>
+            <a:pPr algn="ctr"/>
+            <a:r>
+              <a:rPr lang="en-US" altLang="ko-KR" sz="4400" dirty="0">
+                <a:solidFill>
+                  <a:schemeClr val="tx1"/>
+                </a:solidFill>
+              </a:rPr>
+              <a:t>1</a:t>
+            </a:r>
+            <a:endParaRPr lang="ko-KR" altLang="en-US" sz="4400" dirty="0">
+              <a:solidFill>
+                <a:schemeClr val="tx1"/>
+              </a:solidFill>
+            </a:endParaRPr>
+          </a:p>
+        </p:txBody>
+      </p:sp>
+      <p:sp>
+        <p:nvSpPr>
+          <p:cNvPr id="77" name="순서도: 연결자 76">
+            <a:extLst>
+              <a:ext uri="{FF2B5EF4-FFF2-40B4-BE49-F238E27FC236}">
+                <a16:creationId xmlns:a16="http://schemas.microsoft.com/office/drawing/2014/main" id="{80BE43C7-A9E9-1141-2C52-52E623DC830F}"/>
+              </a:ext>
+            </a:extLst>
+          </p:cNvPr>
+          <p:cNvSpPr/>
+          <p:nvPr/>
+        </p:nvSpPr>
+        <p:spPr>
+          <a:xfrm>
+            <a:off x="7700042" y="2536285"/>
+            <a:ext cx="616055" cy="636217"/>
+          </a:xfrm>
+          <a:prstGeom prst="flowChartConnector">
+            <a:avLst/>
+          </a:prstGeom>
+          <a:noFill/>
+          <a:ln w="57150">
+            <a:solidFill>
+              <a:schemeClr val="tx1"/>
+            </a:solidFill>
+          </a:ln>
+        </p:spPr>
+        <p:style>
+          <a:lnRef idx="2">
+            <a:schemeClr val="accent1">
+              <a:shade val="15000"/>
+            </a:schemeClr>
+          </a:lnRef>
+          <a:fillRef idx="1">
+            <a:schemeClr val="accent1"/>
+          </a:fillRef>
+          <a:effectRef idx="0">
+            <a:schemeClr val="accent1"/>
+          </a:effectRef>
+          <a:fontRef idx="minor">
+            <a:schemeClr val="lt1"/>
+          </a:fontRef>
+        </p:style>
+        <p:txBody>
+          <a:bodyPr rtlCol="0" anchor="ctr"/>
+          <a:lstStyle/>
+          <a:p>
+            <a:pPr algn="ctr"/>
+            <a:r>
+              <a:rPr lang="en-US" altLang="ko-KR" sz="4400" dirty="0">
+                <a:solidFill>
+                  <a:schemeClr val="tx1"/>
+                </a:solidFill>
+              </a:rPr>
+              <a:t>2</a:t>
+            </a:r>
+            <a:endParaRPr lang="ko-KR" altLang="en-US" sz="4400" dirty="0">
+              <a:solidFill>
+                <a:schemeClr val="tx1"/>
+              </a:solidFill>
+            </a:endParaRPr>
+          </a:p>
+        </p:txBody>
+      </p:sp>
+      <p:sp>
+        <p:nvSpPr>
+          <p:cNvPr id="78" name="순서도: 연결자 77">
+            <a:extLst>
+              <a:ext uri="{FF2B5EF4-FFF2-40B4-BE49-F238E27FC236}">
+                <a16:creationId xmlns:a16="http://schemas.microsoft.com/office/drawing/2014/main" id="{C122AC1D-4003-6EA5-3870-E91C7FC81E51}"/>
+              </a:ext>
+            </a:extLst>
+          </p:cNvPr>
+          <p:cNvSpPr/>
+          <p:nvPr/>
+        </p:nvSpPr>
+        <p:spPr>
+          <a:xfrm>
+            <a:off x="9041710" y="5029520"/>
+            <a:ext cx="616055" cy="636217"/>
+          </a:xfrm>
+          <a:prstGeom prst="flowChartConnector">
+            <a:avLst/>
+          </a:prstGeom>
+          <a:noFill/>
+          <a:ln w="57150">
+            <a:solidFill>
+              <a:schemeClr val="tx1"/>
+            </a:solidFill>
+          </a:ln>
+        </p:spPr>
+        <p:style>
+          <a:lnRef idx="2">
+            <a:schemeClr val="accent1">
+              <a:shade val="15000"/>
+            </a:schemeClr>
+          </a:lnRef>
+          <a:fillRef idx="1">
+            <a:schemeClr val="accent1"/>
+          </a:fillRef>
+          <a:effectRef idx="0">
+            <a:schemeClr val="accent1"/>
+          </a:effectRef>
+          <a:fontRef idx="minor">
+            <a:schemeClr val="lt1"/>
+          </a:fontRef>
+        </p:style>
+        <p:txBody>
+          <a:bodyPr rtlCol="0" anchor="ctr"/>
+          <a:lstStyle/>
+          <a:p>
+            <a:pPr algn="ctr"/>
+            <a:r>
+              <a:rPr lang="en-US" altLang="ko-KR" sz="4400" dirty="0">
+                <a:solidFill>
+                  <a:schemeClr val="tx1"/>
+                </a:solidFill>
+              </a:rPr>
+              <a:t>3</a:t>
+            </a:r>
+            <a:endParaRPr lang="ko-KR" altLang="en-US" sz="4400" dirty="0">
+              <a:solidFill>
+                <a:schemeClr val="tx1"/>
+              </a:solidFill>
+            </a:endParaRPr>
+          </a:p>
+        </p:txBody>
+      </p:sp>
+      <p:sp>
+        <p:nvSpPr>
+          <p:cNvPr id="79" name="순서도: 연결자 78">
+            <a:extLst>
+              <a:ext uri="{FF2B5EF4-FFF2-40B4-BE49-F238E27FC236}">
+                <a16:creationId xmlns:a16="http://schemas.microsoft.com/office/drawing/2014/main" id="{665D1BD8-E559-D3C2-9A77-2175B63D3530}"/>
+              </a:ext>
+            </a:extLst>
+          </p:cNvPr>
+          <p:cNvSpPr/>
+          <p:nvPr/>
+        </p:nvSpPr>
+        <p:spPr>
+          <a:xfrm>
+            <a:off x="2385698" y="915908"/>
+            <a:ext cx="616055" cy="636217"/>
+          </a:xfrm>
+          <a:prstGeom prst="flowChartConnector">
+            <a:avLst/>
+          </a:prstGeom>
+          <a:noFill/>
+          <a:ln w="57150">
+            <a:solidFill>
+              <a:schemeClr val="tx1"/>
+            </a:solidFill>
+          </a:ln>
+        </p:spPr>
+        <p:style>
+          <a:lnRef idx="2">
+            <a:schemeClr val="accent1">
+              <a:shade val="15000"/>
+            </a:schemeClr>
+          </a:lnRef>
+          <a:fillRef idx="1">
+            <a:schemeClr val="accent1"/>
+          </a:fillRef>
+          <a:effectRef idx="0">
+            <a:schemeClr val="accent1"/>
+          </a:effectRef>
+          <a:fontRef idx="minor">
+            <a:schemeClr val="lt1"/>
+          </a:fontRef>
+        </p:style>
+        <p:txBody>
+          <a:bodyPr rtlCol="0" anchor="ctr"/>
+          <a:lstStyle/>
+          <a:p>
+            <a:pPr algn="ctr"/>
+            <a:r>
+              <a:rPr lang="en-US" altLang="ko-KR" sz="4400" dirty="0">
+                <a:solidFill>
+                  <a:schemeClr val="tx1"/>
+                </a:solidFill>
+              </a:rPr>
+              <a:t>3</a:t>
+            </a:r>
+            <a:endParaRPr lang="ko-KR" altLang="en-US" sz="4400" dirty="0">
+              <a:solidFill>
+                <a:schemeClr val="tx1"/>
+              </a:solidFill>
+            </a:endParaRPr>
           </a:p>
         </p:txBody>
       </p:sp>
